--- a/Project Status 2.pptx
+++ b/Project Status 2.pptx
@@ -113,13 +113,18 @@
       </a:defRPr>
     </a:lvl9pPr>
   </p:defaultTextStyle>
+  <p:extLst>
+    <p:ext uri="{EFAFB233-063F-42B5-8137-9DF3F51BA10A}">
+      <p15:sldGuideLst xmlns:p15="http://schemas.microsoft.com/office/powerpoint/2012/main"/>
+    </p:ext>
+  </p:extLst>
 </p:presentation>
 </file>
 
 <file path=ppt/revisionInfo.xml><?xml version="1.0" encoding="utf-8"?>
 <p1510:revInfo xmlns:a="http://schemas.openxmlformats.org/drawingml/2006/main" xmlns:r="http://schemas.openxmlformats.org/officeDocument/2006/relationships" xmlns:p1510="http://schemas.microsoft.com/office/powerpoint/2015/10/main">
   <p1510:revLst>
-    <p1510:client id="{116A204D-70EA-49A4-BCD8-2FEB3E257084}" v="6631" dt="2018-06-19T10:28:36.181"/>
+    <p1510:client id="{621932E9-86A6-5640-8AE7-42629CDB73D1}" v="1" dt="2018-07-06T11:37:55.436"/>
   </p1510:revLst>
 </p1510:revInfo>
 </file>
@@ -4424,8 +4429,8 @@
     </dgm:pt>
   </dgm:ptLst>
   <dgm:cxnLst>
+    <dgm:cxn modelId="{9FBFDC59-1310-4B37-9638-CC8B5FBC509B}" type="presOf" srcId="{77711686-4A5E-4911-B5D1-FD4B0B50178B}" destId="{19BC68B9-3AE1-4601-BB4C-E1F0AC85D748}" srcOrd="0" destOrd="0" presId="urn:microsoft.com/office/officeart/2008/layout/LinedList"/>
     <dgm:cxn modelId="{671F2568-E1DF-4BDE-B4FB-6DFF4A55AB97}" type="presOf" srcId="{F1DED566-ADFD-480B-93B5-9BB65C19B566}" destId="{6E9C2096-9488-48E4-B540-6F0E40CD8FD0}" srcOrd="0" destOrd="0" presId="urn:microsoft.com/office/officeart/2008/layout/LinedList"/>
-    <dgm:cxn modelId="{9FBFDC59-1310-4B37-9638-CC8B5FBC509B}" type="presOf" srcId="{77711686-4A5E-4911-B5D1-FD4B0B50178B}" destId="{19BC68B9-3AE1-4601-BB4C-E1F0AC85D748}" srcOrd="0" destOrd="0" presId="urn:microsoft.com/office/officeart/2008/layout/LinedList"/>
     <dgm:cxn modelId="{16EE6797-748D-427D-8591-B99BEE4CF2FD}" type="presOf" srcId="{F98E9EBB-B3E6-457E-8904-437EBD676C10}" destId="{1924108D-9CF6-4F90-8079-4FCE24E5E430}" srcOrd="0" destOrd="0" presId="urn:microsoft.com/office/officeart/2008/layout/LinedList"/>
     <dgm:cxn modelId="{9AAE9BC6-FB20-4336-ADA3-5FD075BBC1BB}" srcId="{77711686-4A5E-4911-B5D1-FD4B0B50178B}" destId="{F98E9EBB-B3E6-457E-8904-437EBD676C10}" srcOrd="1" destOrd="0" parTransId="{C97C84FD-77B5-420B-B155-024DE4E77DF4}" sibTransId="{B60B6B5B-A3D0-4838-9C5D-3F46CB8DB2D0}"/>
     <dgm:cxn modelId="{F40B6AF2-24FD-41EF-8B05-8FAD63279C1C}" srcId="{77711686-4A5E-4911-B5D1-FD4B0B50178B}" destId="{F1DED566-ADFD-480B-93B5-9BB65C19B566}" srcOrd="0" destOrd="0" parTransId="{F205EDCD-06A0-407D-9B40-372152B80F7F}" sibTransId="{7B38B528-2816-4C26-B9DE-5D5B697ED8BD}"/>
@@ -12617,7 +12622,7 @@
           <a:p>
             <a:fld id="{AFC5156F-07F3-4845-98F4-F47CADC1E78C}" type="datetimeFigureOut">
               <a:rPr lang="en-IN" smtClean="0"/>
-              <a:t>19-06-2018</a:t>
+              <a:t>06/07/18</a:t>
             </a:fld>
             <a:endParaRPr lang="en-IN"/>
           </a:p>
@@ -12817,7 +12822,7 @@
           <a:p>
             <a:fld id="{AFC5156F-07F3-4845-98F4-F47CADC1E78C}" type="datetimeFigureOut">
               <a:rPr lang="en-IN" smtClean="0"/>
-              <a:t>19-06-2018</a:t>
+              <a:t>06/07/18</a:t>
             </a:fld>
             <a:endParaRPr lang="en-IN"/>
           </a:p>
@@ -13027,7 +13032,7 @@
           <a:p>
             <a:fld id="{AFC5156F-07F3-4845-98F4-F47CADC1E78C}" type="datetimeFigureOut">
               <a:rPr lang="en-IN" smtClean="0"/>
-              <a:t>19-06-2018</a:t>
+              <a:t>06/07/18</a:t>
             </a:fld>
             <a:endParaRPr lang="en-IN"/>
           </a:p>
@@ -13227,7 +13232,7 @@
           <a:p>
             <a:fld id="{AFC5156F-07F3-4845-98F4-F47CADC1E78C}" type="datetimeFigureOut">
               <a:rPr lang="en-IN" smtClean="0"/>
-              <a:t>19-06-2018</a:t>
+              <a:t>06/07/18</a:t>
             </a:fld>
             <a:endParaRPr lang="en-IN"/>
           </a:p>
@@ -13503,7 +13508,7 @@
           <a:p>
             <a:fld id="{AFC5156F-07F3-4845-98F4-F47CADC1E78C}" type="datetimeFigureOut">
               <a:rPr lang="en-IN" smtClean="0"/>
-              <a:t>19-06-2018</a:t>
+              <a:t>06/07/18</a:t>
             </a:fld>
             <a:endParaRPr lang="en-IN"/>
           </a:p>
@@ -13771,7 +13776,7 @@
           <a:p>
             <a:fld id="{AFC5156F-07F3-4845-98F4-F47CADC1E78C}" type="datetimeFigureOut">
               <a:rPr lang="en-IN" smtClean="0"/>
-              <a:t>19-06-2018</a:t>
+              <a:t>06/07/18</a:t>
             </a:fld>
             <a:endParaRPr lang="en-IN"/>
           </a:p>
@@ -14186,7 +14191,7 @@
           <a:p>
             <a:fld id="{AFC5156F-07F3-4845-98F4-F47CADC1E78C}" type="datetimeFigureOut">
               <a:rPr lang="en-IN" smtClean="0"/>
-              <a:t>19-06-2018</a:t>
+              <a:t>06/07/18</a:t>
             </a:fld>
             <a:endParaRPr lang="en-IN"/>
           </a:p>
@@ -14328,7 +14333,7 @@
           <a:p>
             <a:fld id="{AFC5156F-07F3-4845-98F4-F47CADC1E78C}" type="datetimeFigureOut">
               <a:rPr lang="en-IN" smtClean="0"/>
-              <a:t>19-06-2018</a:t>
+              <a:t>06/07/18</a:t>
             </a:fld>
             <a:endParaRPr lang="en-IN"/>
           </a:p>
@@ -14441,7 +14446,7 @@
           <a:p>
             <a:fld id="{AFC5156F-07F3-4845-98F4-F47CADC1E78C}" type="datetimeFigureOut">
               <a:rPr lang="en-IN" smtClean="0"/>
-              <a:t>19-06-2018</a:t>
+              <a:t>06/07/18</a:t>
             </a:fld>
             <a:endParaRPr lang="en-IN"/>
           </a:p>
@@ -14754,7 +14759,7 @@
           <a:p>
             <a:fld id="{AFC5156F-07F3-4845-98F4-F47CADC1E78C}" type="datetimeFigureOut">
               <a:rPr lang="en-IN" smtClean="0"/>
-              <a:t>19-06-2018</a:t>
+              <a:t>06/07/18</a:t>
             </a:fld>
             <a:endParaRPr lang="en-IN"/>
           </a:p>
@@ -15043,7 +15048,7 @@
           <a:p>
             <a:fld id="{AFC5156F-07F3-4845-98F4-F47CADC1E78C}" type="datetimeFigureOut">
               <a:rPr lang="en-IN" smtClean="0"/>
-              <a:t>19-06-2018</a:t>
+              <a:t>06/07/18</a:t>
             </a:fld>
             <a:endParaRPr lang="en-IN"/>
           </a:p>
@@ -15286,7 +15291,7 @@
           <a:p>
             <a:fld id="{AFC5156F-07F3-4845-98F4-F47CADC1E78C}" type="datetimeFigureOut">
               <a:rPr lang="en-IN" smtClean="0"/>
-              <a:t>19-06-2018</a:t>
+              <a:t>06/07/18</a:t>
             </a:fld>
             <a:endParaRPr lang="en-IN"/>
           </a:p>
@@ -18520,8 +18525,8 @@
           </a:prstGeom>
         </p:spPr>
       </p:pic>
-      <mc:AlternateContent xmlns:mc="http://schemas.openxmlformats.org/markup-compatibility/2006">
-        <mc:Choice xmlns:a14="http://schemas.microsoft.com/office/drawing/2010/main" Requires="a14">
+      <mc:AlternateContent xmlns:mc="http://schemas.openxmlformats.org/markup-compatibility/2006" xmlns:a14="http://schemas.microsoft.com/office/drawing/2010/main">
+        <mc:Choice Requires="a14">
           <p:sp>
             <p:nvSpPr>
               <p:cNvPr id="3" name="Content Placeholder 2">
@@ -18651,7 +18656,7 @@
             </p:txBody>
           </p:sp>
         </mc:Choice>
-        <mc:Fallback>
+        <mc:Fallback xmlns="">
           <p:sp>
             <p:nvSpPr>
               <p:cNvPr id="3" name="Content Placeholder 2">
@@ -19347,8 +19352,8 @@
           </a:prstGeom>
         </p:spPr>
       </p:pic>
-      <mc:AlternateContent xmlns:mc="http://schemas.openxmlformats.org/markup-compatibility/2006">
-        <mc:Choice xmlns:a14="http://schemas.microsoft.com/office/drawing/2010/main" Requires="a14">
+      <mc:AlternateContent xmlns:mc="http://schemas.openxmlformats.org/markup-compatibility/2006" xmlns:a14="http://schemas.microsoft.com/office/drawing/2010/main">
+        <mc:Choice Requires="a14">
           <p:sp>
             <p:nvSpPr>
               <p:cNvPr id="3" name="Content Placeholder 2">
@@ -19478,7 +19483,7 @@
             </p:txBody>
           </p:sp>
         </mc:Choice>
-        <mc:Fallback>
+        <mc:Fallback xmlns="">
           <p:sp>
             <p:nvSpPr>
               <p:cNvPr id="3" name="Content Placeholder 2">
